--- a/BidimensionalConvolution.pptx
+++ b/BidimensionalConvolution.pptx
@@ -1663,6 +1663,8 @@
         <c:axId val="70848047"/>
         <c:scaling>
           <c:orientation val="minMax"/>
+          <c:max val="11000"/>
+          <c:min val="0"/>
         </c:scaling>
         <c:delete val="0"/>
         <c:axPos val="l"/>
@@ -3249,6 +3251,8 @@
         <c:axId val="1004999263"/>
         <c:scaling>
           <c:orientation val="minMax"/>
+          <c:max val="37"/>
+          <c:min val="0"/>
         </c:scaling>
         <c:delete val="0"/>
         <c:axPos val="l"/>
@@ -5175,6 +5179,7 @@
         <c:axId val="70848047"/>
         <c:scaling>
           <c:orientation val="minMax"/>
+          <c:max val="12"/>
         </c:scaling>
         <c:delete val="0"/>
         <c:axPos val="l"/>
@@ -7317,6 +7322,8 @@
         <c:axId val="70848047"/>
         <c:scaling>
           <c:orientation val="minMax"/>
+          <c:max val="11000"/>
+          <c:min val="0"/>
         </c:scaling>
         <c:delete val="0"/>
         <c:axPos val="l"/>
@@ -9250,6 +9257,7 @@
         <c:axId val="70848047"/>
         <c:scaling>
           <c:orientation val="minMax"/>
+          <c:max val="12"/>
         </c:scaling>
         <c:delete val="0"/>
         <c:axPos val="l"/>
@@ -11390,6 +11398,7 @@
         <c:axId val="70848047"/>
         <c:scaling>
           <c:orientation val="minMax"/>
+          <c:max val="8000"/>
         </c:scaling>
         <c:delete val="0"/>
         <c:axPos val="l"/>
@@ -13323,6 +13332,8 @@
         <c:axId val="70848047"/>
         <c:scaling>
           <c:orientation val="minMax"/>
+          <c:max val="13"/>
+          <c:min val="0"/>
         </c:scaling>
         <c:delete val="0"/>
         <c:axPos val="l"/>
@@ -16671,6 +16682,7 @@
         <c:axId val="70848047"/>
         <c:scaling>
           <c:orientation val="minMax"/>
+          <c:max val="14"/>
         </c:scaling>
         <c:delete val="0"/>
         <c:axPos val="l"/>
@@ -24092,7 +24104,7 @@
           <a:p>
             <a:fld id="{BF262B25-06AB-45EA-AE8A-46B09F09FE54}" type="datetimeFigureOut">
               <a:rPr lang="it-IT" smtClean="0"/>
-              <a:t>26/04/2025</a:t>
+              <a:t>28/04/2025</a:t>
             </a:fld>
             <a:endParaRPr lang="it-IT"/>
           </a:p>
@@ -24678,7 +24690,7 @@
           <a:p>
             <a:fld id="{AD732C00-6103-468E-A411-B25F54D2EB90}" type="datetime1">
               <a:rPr lang="it-IT" smtClean="0"/>
-              <a:t>26/04/2025</a:t>
+              <a:t>28/04/2025</a:t>
             </a:fld>
             <a:endParaRPr lang="it-IT"/>
           </a:p>
@@ -24879,7 +24891,7 @@
           <a:p>
             <a:fld id="{66DBBF04-99E9-4DA4-886B-A8B6BCEF9DD1}" type="datetime1">
               <a:rPr lang="it-IT" smtClean="0"/>
-              <a:t>26/04/2025</a:t>
+              <a:t>28/04/2025</a:t>
             </a:fld>
             <a:endParaRPr lang="it-IT"/>
           </a:p>
@@ -25090,7 +25102,7 @@
           <a:p>
             <a:fld id="{013DFE74-D2B1-4E21-B7D0-8B0D7470701C}" type="datetime1">
               <a:rPr lang="it-IT" smtClean="0"/>
-              <a:t>26/04/2025</a:t>
+              <a:t>28/04/2025</a:t>
             </a:fld>
             <a:endParaRPr lang="it-IT"/>
           </a:p>
@@ -25291,7 +25303,7 @@
           <a:p>
             <a:fld id="{D0981D39-5464-49D3-A6DA-F1E750E3B350}" type="datetime1">
               <a:rPr lang="it-IT" smtClean="0"/>
-              <a:t>26/04/2025</a:t>
+              <a:t>28/04/2025</a:t>
             </a:fld>
             <a:endParaRPr lang="it-IT"/>
           </a:p>
@@ -25569,7 +25581,7 @@
           <a:p>
             <a:fld id="{9544C97F-201C-439A-91E1-2103A0C01E51}" type="datetime1">
               <a:rPr lang="it-IT" smtClean="0"/>
-              <a:t>26/04/2025</a:t>
+              <a:t>28/04/2025</a:t>
             </a:fld>
             <a:endParaRPr lang="it-IT"/>
           </a:p>
@@ -25837,7 +25849,7 @@
           <a:p>
             <a:fld id="{99066263-3063-44DE-B09B-3B5B9BFC0008}" type="datetime1">
               <a:rPr lang="it-IT" smtClean="0"/>
-              <a:t>26/04/2025</a:t>
+              <a:t>28/04/2025</a:t>
             </a:fld>
             <a:endParaRPr lang="it-IT"/>
           </a:p>
@@ -26252,7 +26264,7 @@
           <a:p>
             <a:fld id="{05A219BA-A835-43AD-A0F3-5BF958406EBA}" type="datetime1">
               <a:rPr lang="it-IT" smtClean="0"/>
-              <a:t>26/04/2025</a:t>
+              <a:t>28/04/2025</a:t>
             </a:fld>
             <a:endParaRPr lang="it-IT"/>
           </a:p>
@@ -26396,7 +26408,7 @@
           <a:p>
             <a:fld id="{F608B77A-1806-47B7-8D9F-5BDE60713236}" type="datetime1">
               <a:rPr lang="it-IT" smtClean="0"/>
-              <a:t>26/04/2025</a:t>
+              <a:t>28/04/2025</a:t>
             </a:fld>
             <a:endParaRPr lang="it-IT"/>
           </a:p>
@@ -26512,7 +26524,7 @@
           <a:p>
             <a:fld id="{CD773FC2-1618-44C5-B8EB-4C5C277ABEAF}" type="datetime1">
               <a:rPr lang="it-IT" smtClean="0"/>
-              <a:t>26/04/2025</a:t>
+              <a:t>28/04/2025</a:t>
             </a:fld>
             <a:endParaRPr lang="it-IT"/>
           </a:p>
@@ -26826,7 +26838,7 @@
           <a:p>
             <a:fld id="{F1586FEB-A492-470B-8127-28242EEF70D1}" type="datetime1">
               <a:rPr lang="it-IT" smtClean="0"/>
-              <a:t>26/04/2025</a:t>
+              <a:t>28/04/2025</a:t>
             </a:fld>
             <a:endParaRPr lang="it-IT"/>
           </a:p>
@@ -27117,7 +27129,7 @@
           <a:p>
             <a:fld id="{6B618F32-9C5C-48EF-A99A-613B7132F81E}" type="datetime1">
               <a:rPr lang="it-IT" smtClean="0"/>
-              <a:t>26/04/2025</a:t>
+              <a:t>28/04/2025</a:t>
             </a:fld>
             <a:endParaRPr lang="it-IT"/>
           </a:p>
@@ -27361,7 +27373,7 @@
           <a:p>
             <a:fld id="{0D4FBE6A-4113-4178-8339-88291E942827}" type="datetime1">
               <a:rPr lang="it-IT" smtClean="0"/>
-              <a:t>26/04/2025</a:t>
+              <a:t>28/04/2025</a:t>
             </a:fld>
             <a:endParaRPr lang="it-IT"/>
           </a:p>
@@ -34200,7 +34212,7 @@
             </a:r>
             <a:r>
               <a:rPr lang="it-IT" dirty="0"/>
-              <a:t>5,642.19</a:t>
+              <a:t>7,565.35</a:t>
             </a:r>
             <a:r>
               <a:rPr lang="en-US" dirty="0"/>
@@ -34255,7 +34267,7 @@
             </a:r>
             <a:r>
               <a:rPr lang="it-IT" dirty="0"/>
-              <a:t>477.68</a:t>
+              <a:t>635.86</a:t>
             </a:r>
             <a:r>
               <a:rPr lang="en-US" dirty="0"/>

--- a/BidimensionalConvolution.pptx
+++ b/BidimensionalConvolution.pptx
@@ -36195,7 +36195,7 @@
         </p:nvSpPr>
         <p:spPr>
           <a:xfrm>
-            <a:off x="969786" y="4703969"/>
+            <a:off x="969786" y="4385743"/>
             <a:ext cx="6097464" cy="369332"/>
           </a:xfrm>
           <a:prstGeom prst="rect">
@@ -36230,8 +36230,8 @@
         </p:nvSpPr>
         <p:spPr>
           <a:xfrm>
-            <a:off x="1095222" y="5073301"/>
-            <a:ext cx="5081643" cy="646331"/>
+            <a:off x="1095222" y="4755075"/>
+            <a:ext cx="5081643" cy="1277273"/>
           </a:xfrm>
           <a:prstGeom prst="rect">
             <a:avLst/>
@@ -36259,6 +36259,19 @@
               <a:rPr lang="en-US" dirty="0"/>
               <a:t> analysis shows 0 Last Level Cache (LLC) misses</a:t>
             </a:r>
+          </a:p>
+          <a:p>
+            <a:pPr marL="285750" indent="-285750">
+              <a:spcAft>
+                <a:spcPts val="600"/>
+              </a:spcAft>
+              <a:buFont typeface="Arial" panose="020B0604020202020204" pitchFamily="34" charset="0"/>
+              <a:buChar char="•"/>
+            </a:pPr>
+            <a:r>
+              <a:rPr lang="en-US" dirty="0"/>
+              <a:t>Hardware prefetching efficiently loads data into the cache preventing cache misses</a:t>
+            </a:r>
             <a:endParaRPr lang="it-IT" dirty="0"/>
           </a:p>
         </p:txBody>
@@ -36277,7 +36290,7 @@
         </p:nvSpPr>
         <p:spPr>
           <a:xfrm>
-            <a:off x="6302301" y="4703969"/>
+            <a:off x="6302301" y="4385743"/>
             <a:ext cx="5332972" cy="369332"/>
           </a:xfrm>
           <a:prstGeom prst="rect">
@@ -36312,7 +36325,7 @@
         </p:nvSpPr>
         <p:spPr>
           <a:xfrm>
-            <a:off x="6427737" y="5073301"/>
+            <a:off x="6427737" y="4755075"/>
             <a:ext cx="5207536" cy="723275"/>
           </a:xfrm>
           <a:prstGeom prst="rect">
